--- a/Meeting_documents/Theoretical_expectations.pptx
+++ b/Meeting_documents/Theoretical_expectations.pptx
@@ -104,6 +104,22 @@
       </a:defRPr>
     </a:lvl9pPr>
   </p:defaultTextStyle>
+  <p:extLst>
+    <p:ext uri="{EFAFB233-063F-42B5-8137-9DF3F51BA10A}">
+      <p15:sldGuideLst xmlns:p15="http://schemas.microsoft.com/office/powerpoint/2012/main">
+        <p15:guide id="1" orient="horz" pos="2160" userDrawn="1">
+          <p15:clr>
+            <a:srgbClr val="A4A3A4"/>
+          </p15:clr>
+        </p15:guide>
+        <p15:guide id="2" pos="3840" userDrawn="1">
+          <p15:clr>
+            <a:srgbClr val="A4A3A4"/>
+          </p15:clr>
+        </p15:guide>
+      </p15:sldGuideLst>
+    </p:ext>
+  </p:extLst>
 </p:presentation>
 </file>
 
@@ -256,7 +272,7 @@
           <a:p>
             <a:fld id="{B7BCB26E-0641-8749-81F4-9747DCA31D34}" type="datetimeFigureOut">
               <a:rPr lang="en-AU" smtClean="0"/>
-              <a:t>15/2/2024</a:t>
+              <a:t>16/2/2024</a:t>
             </a:fld>
             <a:endParaRPr lang="en-AU"/>
           </a:p>
@@ -456,7 +472,7 @@
           <a:p>
             <a:fld id="{B7BCB26E-0641-8749-81F4-9747DCA31D34}" type="datetimeFigureOut">
               <a:rPr lang="en-AU" smtClean="0"/>
-              <a:t>15/2/2024</a:t>
+              <a:t>16/2/2024</a:t>
             </a:fld>
             <a:endParaRPr lang="en-AU"/>
           </a:p>
@@ -666,7 +682,7 @@
           <a:p>
             <a:fld id="{B7BCB26E-0641-8749-81F4-9747DCA31D34}" type="datetimeFigureOut">
               <a:rPr lang="en-AU" smtClean="0"/>
-              <a:t>15/2/2024</a:t>
+              <a:t>16/2/2024</a:t>
             </a:fld>
             <a:endParaRPr lang="en-AU"/>
           </a:p>
@@ -866,7 +882,7 @@
           <a:p>
             <a:fld id="{B7BCB26E-0641-8749-81F4-9747DCA31D34}" type="datetimeFigureOut">
               <a:rPr lang="en-AU" smtClean="0"/>
-              <a:t>15/2/2024</a:t>
+              <a:t>16/2/2024</a:t>
             </a:fld>
             <a:endParaRPr lang="en-AU"/>
           </a:p>
@@ -1142,7 +1158,7 @@
           <a:p>
             <a:fld id="{B7BCB26E-0641-8749-81F4-9747DCA31D34}" type="datetimeFigureOut">
               <a:rPr lang="en-AU" smtClean="0"/>
-              <a:t>15/2/2024</a:t>
+              <a:t>16/2/2024</a:t>
             </a:fld>
             <a:endParaRPr lang="en-AU"/>
           </a:p>
@@ -1410,7 +1426,7 @@
           <a:p>
             <a:fld id="{B7BCB26E-0641-8749-81F4-9747DCA31D34}" type="datetimeFigureOut">
               <a:rPr lang="en-AU" smtClean="0"/>
-              <a:t>15/2/2024</a:t>
+              <a:t>16/2/2024</a:t>
             </a:fld>
             <a:endParaRPr lang="en-AU"/>
           </a:p>
@@ -1825,7 +1841,7 @@
           <a:p>
             <a:fld id="{B7BCB26E-0641-8749-81F4-9747DCA31D34}" type="datetimeFigureOut">
               <a:rPr lang="en-AU" smtClean="0"/>
-              <a:t>15/2/2024</a:t>
+              <a:t>16/2/2024</a:t>
             </a:fld>
             <a:endParaRPr lang="en-AU"/>
           </a:p>
@@ -1967,7 +1983,7 @@
           <a:p>
             <a:fld id="{B7BCB26E-0641-8749-81F4-9747DCA31D34}" type="datetimeFigureOut">
               <a:rPr lang="en-AU" smtClean="0"/>
-              <a:t>15/2/2024</a:t>
+              <a:t>16/2/2024</a:t>
             </a:fld>
             <a:endParaRPr lang="en-AU"/>
           </a:p>
@@ -2080,7 +2096,7 @@
           <a:p>
             <a:fld id="{B7BCB26E-0641-8749-81F4-9747DCA31D34}" type="datetimeFigureOut">
               <a:rPr lang="en-AU" smtClean="0"/>
-              <a:t>15/2/2024</a:t>
+              <a:t>16/2/2024</a:t>
             </a:fld>
             <a:endParaRPr lang="en-AU"/>
           </a:p>
@@ -2393,7 +2409,7 @@
           <a:p>
             <a:fld id="{B7BCB26E-0641-8749-81F4-9747DCA31D34}" type="datetimeFigureOut">
               <a:rPr lang="en-AU" smtClean="0"/>
-              <a:t>15/2/2024</a:t>
+              <a:t>16/2/2024</a:t>
             </a:fld>
             <a:endParaRPr lang="en-AU"/>
           </a:p>
@@ -2682,7 +2698,7 @@
           <a:p>
             <a:fld id="{B7BCB26E-0641-8749-81F4-9747DCA31D34}" type="datetimeFigureOut">
               <a:rPr lang="en-AU" smtClean="0"/>
-              <a:t>15/2/2024</a:t>
+              <a:t>16/2/2024</a:t>
             </a:fld>
             <a:endParaRPr lang="en-AU"/>
           </a:p>
@@ -2925,7 +2941,7 @@
           <a:p>
             <a:fld id="{B7BCB26E-0641-8749-81F4-9747DCA31D34}" type="datetimeFigureOut">
               <a:rPr lang="en-AU" smtClean="0"/>
-              <a:t>15/2/2024</a:t>
+              <a:t>16/2/2024</a:t>
             </a:fld>
             <a:endParaRPr lang="en-AU"/>
           </a:p>
@@ -3862,12 +3878,50 @@
           </a:p>
         </p:txBody>
       </p:sp>
+      <p:sp>
+        <p:nvSpPr>
+          <p:cNvPr id="44" name="TextBox 43">
+            <a:extLst>
+              <a:ext uri="{FF2B5EF4-FFF2-40B4-BE49-F238E27FC236}">
+                <a16:creationId xmlns:a16="http://schemas.microsoft.com/office/drawing/2014/main" id="{DF00AD15-8C59-0830-8C1B-52F2C7BE55C1}"/>
+              </a:ext>
+            </a:extLst>
+          </p:cNvPr>
+          <p:cNvSpPr txBox="1"/>
+          <p:nvPr/>
+        </p:nvSpPr>
+        <p:spPr>
+          <a:xfrm>
+            <a:off x="953567" y="3059668"/>
+            <a:ext cx="428322" cy="369332"/>
+          </a:xfrm>
+          <a:prstGeom prst="rect">
+            <a:avLst/>
+          </a:prstGeom>
+          <a:noFill/>
+        </p:spPr>
+        <p:txBody>
+          <a:bodyPr wrap="none" rtlCol="0">
+            <a:spAutoFit/>
+          </a:bodyPr>
+          <a:lstStyle/>
+          <a:p>
+            <a:r>
+              <a:rPr lang="en-AU" b="1" dirty="0">
+                <a:latin typeface="Times New Roman" panose="02020603050405020304" pitchFamily="18" charset="0"/>
+                <a:cs typeface="Times New Roman" panose="02020603050405020304" pitchFamily="18" charset="0"/>
+              </a:rPr>
+              <a:t>B)</a:t>
+            </a:r>
+          </a:p>
+        </p:txBody>
+      </p:sp>
       <p:grpSp>
         <p:nvGrpSpPr>
-          <p:cNvPr id="56" name="Group 55">
-            <a:extLst>
-              <a:ext uri="{FF2B5EF4-FFF2-40B4-BE49-F238E27FC236}">
-                <a16:creationId xmlns:a16="http://schemas.microsoft.com/office/drawing/2014/main" id="{3DBD5F44-AA48-09BA-4A64-B5B2A0AF74B7}"/>
+          <p:cNvPr id="60" name="Group 59">
+            <a:extLst>
+              <a:ext uri="{FF2B5EF4-FFF2-40B4-BE49-F238E27FC236}">
+                <a16:creationId xmlns:a16="http://schemas.microsoft.com/office/drawing/2014/main" id="{59611CC9-D3E5-0CFD-EAB4-40F0914465F9}"/>
               </a:ext>
             </a:extLst>
           </p:cNvPr>
@@ -3877,9 +3931,9 @@
         <p:grpSpPr>
           <a:xfrm>
             <a:off x="876293" y="426181"/>
-            <a:ext cx="4165976" cy="2389995"/>
-            <a:chOff x="876293" y="523369"/>
-            <a:chExt cx="4165976" cy="2389995"/>
+            <a:ext cx="7810782" cy="2389995"/>
+            <a:chOff x="876293" y="426181"/>
+            <a:chExt cx="7810782" cy="2389995"/>
           </a:xfrm>
         </p:grpSpPr>
         <p:cxnSp>
@@ -3898,7 +3952,7 @@
           </p:nvCxnSpPr>
           <p:spPr>
             <a:xfrm>
-              <a:off x="1699258" y="668005"/>
+              <a:off x="1699258" y="570817"/>
               <a:ext cx="0" cy="1736574"/>
             </a:xfrm>
             <a:prstGeom prst="line">
@@ -3937,8 +3991,8 @@
           </p:nvCxnSpPr>
           <p:spPr>
             <a:xfrm flipH="1">
-              <a:off x="1692165" y="2396904"/>
-              <a:ext cx="2411386" cy="0"/>
+              <a:off x="1692165" y="2299716"/>
+              <a:ext cx="2697070" cy="0"/>
             </a:xfrm>
             <a:prstGeom prst="line">
               <a:avLst/>
@@ -3974,7 +4028,7 @@
           </p:nvSpPr>
           <p:spPr>
             <a:xfrm rot="16200000">
-              <a:off x="424695" y="1393296"/>
+              <a:off x="424695" y="1296108"/>
               <a:ext cx="1736567" cy="276999"/>
             </a:xfrm>
             <a:prstGeom prst="rect">
@@ -4013,7 +4067,7 @@
           </p:nvSpPr>
           <p:spPr>
             <a:xfrm>
-              <a:off x="1707288" y="2605587"/>
+              <a:off x="1707288" y="2508399"/>
               <a:ext cx="2362991" cy="307777"/>
             </a:xfrm>
             <a:prstGeom prst="rect">
@@ -4052,7 +4106,7 @@
           </p:nvSpPr>
           <p:spPr>
             <a:xfrm>
-              <a:off x="1253334" y="569536"/>
+              <a:off x="1253334" y="472348"/>
               <a:ext cx="617804" cy="276999"/>
             </a:xfrm>
             <a:prstGeom prst="rect">
@@ -4090,8 +4144,8 @@
           </p:nvSpPr>
           <p:spPr>
             <a:xfrm rot="19631544" flipH="1">
-              <a:off x="1713962" y="1652868"/>
-              <a:ext cx="2252628" cy="492180"/>
+              <a:off x="1768712" y="1569771"/>
+              <a:ext cx="2150013" cy="664070"/>
             </a:xfrm>
             <a:custGeom>
               <a:avLst/>
@@ -4183,8 +4237,8 @@
           </p:nvSpPr>
           <p:spPr>
             <a:xfrm rot="19370398" flipV="1">
-              <a:off x="1508728" y="1583244"/>
-              <a:ext cx="2507132" cy="188437"/>
+              <a:off x="1559661" y="1440481"/>
+              <a:ext cx="2591772" cy="385527"/>
             </a:xfrm>
             <a:custGeom>
               <a:avLst/>
@@ -4274,7 +4328,7 @@
           </p:nvSpPr>
           <p:spPr>
             <a:xfrm>
-              <a:off x="1252920" y="2179780"/>
+              <a:off x="1252920" y="2082592"/>
               <a:ext cx="617804" cy="276999"/>
             </a:xfrm>
             <a:prstGeom prst="rect">
@@ -4307,13 +4361,15 @@
                 </a:ext>
               </a:extLst>
             </p:cNvPr>
-            <p:cNvCxnSpPr/>
+            <p:cNvCxnSpPr>
+              <a:cxnSpLocks/>
+            </p:cNvCxnSpPr>
             <p:nvPr/>
           </p:nvCxnSpPr>
           <p:spPr>
             <a:xfrm>
-              <a:off x="1706350" y="1828800"/>
-              <a:ext cx="2363929" cy="0"/>
+              <a:off x="1706350" y="1731612"/>
+              <a:ext cx="2558391" cy="0"/>
             </a:xfrm>
             <a:prstGeom prst="line">
               <a:avLst/>
@@ -4353,18 +4409,24 @@
             </p:cNvPr>
             <p:cNvCxnSpPr>
               <a:cxnSpLocks/>
+              <a:endCxn id="10" idx="0"/>
             </p:cNvCxnSpPr>
             <p:nvPr/>
           </p:nvCxnSpPr>
           <p:spPr>
             <a:xfrm flipH="1">
-              <a:off x="3946148" y="1335810"/>
-              <a:ext cx="325520" cy="130386"/>
+              <a:off x="3927159" y="1238622"/>
+              <a:ext cx="462076" cy="359798"/>
             </a:xfrm>
             <a:prstGeom prst="straightConnector1">
               <a:avLst/>
             </a:prstGeom>
             <a:ln>
+              <a:solidFill>
+                <a:schemeClr val="bg1">
+                  <a:lumMod val="50000"/>
+                </a:schemeClr>
+              </a:solidFill>
               <a:tailEnd type="triangle"/>
             </a:ln>
           </p:spPr>
@@ -4399,13 +4461,18 @@
           </p:nvCxnSpPr>
           <p:spPr>
             <a:xfrm flipH="1">
-              <a:off x="4070279" y="1335810"/>
+              <a:off x="4187846" y="1238622"/>
               <a:ext cx="201389" cy="454347"/>
             </a:xfrm>
             <a:prstGeom prst="straightConnector1">
               <a:avLst/>
             </a:prstGeom>
             <a:ln>
+              <a:solidFill>
+                <a:schemeClr val="bg1">
+                  <a:lumMod val="50000"/>
+                </a:schemeClr>
+              </a:solidFill>
               <a:tailEnd type="triangle"/>
             </a:ln>
           </p:spPr>
@@ -4438,7 +4505,7 @@
           </p:nvSpPr>
           <p:spPr>
             <a:xfrm>
-              <a:off x="4185169" y="1106575"/>
+              <a:off x="4302736" y="1009387"/>
               <a:ext cx="713657" cy="307777"/>
             </a:xfrm>
             <a:prstGeom prst="rect">
@@ -4481,7 +4548,7 @@
           </p:nvSpPr>
           <p:spPr>
             <a:xfrm>
-              <a:off x="3746722" y="778014"/>
+              <a:off x="4004743" y="800001"/>
               <a:ext cx="1295547" cy="307777"/>
             </a:xfrm>
             <a:prstGeom prst="rect">
@@ -4522,7 +4589,7 @@
           </p:nvSpPr>
           <p:spPr>
             <a:xfrm>
-              <a:off x="3719226" y="2100719"/>
+              <a:off x="3719226" y="2003531"/>
               <a:ext cx="530402" cy="307777"/>
             </a:xfrm>
             <a:prstGeom prst="rect">
@@ -4563,7 +4630,7 @@
           </p:nvSpPr>
           <p:spPr>
             <a:xfrm>
-              <a:off x="1906355" y="1418389"/>
+              <a:off x="1906355" y="1321201"/>
               <a:ext cx="1893195" cy="959193"/>
             </a:xfrm>
             <a:custGeom>
@@ -4661,7 +4728,7 @@
           </p:nvSpPr>
           <p:spPr>
             <a:xfrm>
-              <a:off x="876293" y="523369"/>
+              <a:off x="876293" y="426181"/>
               <a:ext cx="428322" cy="369332"/>
             </a:xfrm>
             <a:prstGeom prst="rect">
@@ -4685,190 +4752,12 @@
             </a:p>
           </p:txBody>
         </p:sp>
-      </p:grpSp>
-      <p:sp>
-        <p:nvSpPr>
-          <p:cNvPr id="44" name="TextBox 43">
-            <a:extLst>
-              <a:ext uri="{FF2B5EF4-FFF2-40B4-BE49-F238E27FC236}">
-                <a16:creationId xmlns:a16="http://schemas.microsoft.com/office/drawing/2014/main" id="{DF00AD15-8C59-0830-8C1B-52F2C7BE55C1}"/>
-              </a:ext>
-            </a:extLst>
-          </p:cNvPr>
-          <p:cNvSpPr txBox="1"/>
-          <p:nvPr/>
-        </p:nvSpPr>
-        <p:spPr>
-          <a:xfrm>
-            <a:off x="953567" y="3059668"/>
-            <a:ext cx="428322" cy="369332"/>
-          </a:xfrm>
-          <a:prstGeom prst="rect">
-            <a:avLst/>
-          </a:prstGeom>
-          <a:noFill/>
-        </p:spPr>
-        <p:txBody>
-          <a:bodyPr wrap="none" rtlCol="0">
-            <a:spAutoFit/>
-          </a:bodyPr>
-          <a:lstStyle/>
-          <a:p>
-            <a:r>
-              <a:rPr lang="en-AU" b="1" dirty="0">
-                <a:latin typeface="Times New Roman" panose="02020603050405020304" pitchFamily="18" charset="0"/>
-                <a:cs typeface="Times New Roman" panose="02020603050405020304" pitchFamily="18" charset="0"/>
-              </a:rPr>
-              <a:t>B)</a:t>
-            </a:r>
-          </a:p>
-        </p:txBody>
-      </p:sp>
-      <p:sp>
-        <p:nvSpPr>
-          <p:cNvPr id="54" name="TextBox 53">
-            <a:extLst>
-              <a:ext uri="{FF2B5EF4-FFF2-40B4-BE49-F238E27FC236}">
-                <a16:creationId xmlns:a16="http://schemas.microsoft.com/office/drawing/2014/main" id="{227D732B-0652-54FE-BB82-1CC4BE3D9FBB}"/>
-              </a:ext>
-            </a:extLst>
-          </p:cNvPr>
-          <p:cNvSpPr txBox="1"/>
-          <p:nvPr/>
-        </p:nvSpPr>
-        <p:spPr>
-          <a:xfrm>
-            <a:off x="8043774" y="1934478"/>
-            <a:ext cx="530402" cy="307777"/>
-          </a:xfrm>
-          <a:prstGeom prst="rect">
-            <a:avLst/>
-          </a:prstGeom>
-          <a:noFill/>
-        </p:spPr>
-        <p:txBody>
-          <a:bodyPr wrap="none" rtlCol="0">
-            <a:spAutoFit/>
-          </a:bodyPr>
-          <a:lstStyle/>
-          <a:p>
-            <a:r>
-              <a:rPr lang="en-AU" sz="1400" b="1" dirty="0">
-                <a:solidFill>
-                  <a:schemeClr val="accent6"/>
-                </a:solidFill>
-                <a:latin typeface="Times New Roman" panose="02020603050405020304" pitchFamily="18" charset="0"/>
-                <a:cs typeface="Times New Roman" panose="02020603050405020304" pitchFamily="18" charset="0"/>
-              </a:rPr>
-              <a:t>ATP</a:t>
-            </a:r>
-          </a:p>
-        </p:txBody>
-      </p:sp>
-      <p:grpSp>
-        <p:nvGrpSpPr>
-          <p:cNvPr id="57" name="Group 56">
-            <a:extLst>
-              <a:ext uri="{FF2B5EF4-FFF2-40B4-BE49-F238E27FC236}">
-                <a16:creationId xmlns:a16="http://schemas.microsoft.com/office/drawing/2014/main" id="{49B94BFA-9597-0486-4683-B887F0C5BFA0}"/>
-              </a:ext>
-            </a:extLst>
-          </p:cNvPr>
-          <p:cNvGrpSpPr/>
-          <p:nvPr/>
-        </p:nvGrpSpPr>
-        <p:grpSpPr>
-          <a:xfrm>
-            <a:off x="5263002" y="426181"/>
-            <a:ext cx="3164220" cy="2412982"/>
-            <a:chOff x="5263002" y="426181"/>
-            <a:chExt cx="3164220" cy="2412982"/>
-          </a:xfrm>
-        </p:grpSpPr>
-        <p:cxnSp>
-          <p:nvCxnSpPr>
-            <p:cNvPr id="45" name="Straight Connector 44">
+        <p:sp>
+          <p:nvSpPr>
+            <p:cNvPr id="54" name="TextBox 53">
               <a:extLst>
                 <a:ext uri="{FF2B5EF4-FFF2-40B4-BE49-F238E27FC236}">
-                  <a16:creationId xmlns:a16="http://schemas.microsoft.com/office/drawing/2014/main" id="{F980C814-AE0F-61A6-C075-EEFEDC8B3B33}"/>
-                </a:ext>
-              </a:extLst>
-            </p:cNvPr>
-            <p:cNvCxnSpPr>
-              <a:cxnSpLocks/>
-            </p:cNvCxnSpPr>
-            <p:nvPr/>
-          </p:nvCxnSpPr>
-          <p:spPr>
-            <a:xfrm>
-              <a:off x="5996320" y="593804"/>
-              <a:ext cx="0" cy="1736574"/>
-            </a:xfrm>
-            <a:prstGeom prst="line">
-              <a:avLst/>
-            </a:prstGeom>
-            <a:ln w="25400"/>
-          </p:spPr>
-          <p:style>
-            <a:lnRef idx="1">
-              <a:schemeClr val="dk1"/>
-            </a:lnRef>
-            <a:fillRef idx="0">
-              <a:schemeClr val="dk1"/>
-            </a:fillRef>
-            <a:effectRef idx="0">
-              <a:schemeClr val="dk1"/>
-            </a:effectRef>
-            <a:fontRef idx="minor">
-              <a:schemeClr val="tx1"/>
-            </a:fontRef>
-          </p:style>
-        </p:cxnSp>
-        <p:cxnSp>
-          <p:nvCxnSpPr>
-            <p:cNvPr id="46" name="Straight Connector 45">
-              <a:extLst>
-                <a:ext uri="{FF2B5EF4-FFF2-40B4-BE49-F238E27FC236}">
-                  <a16:creationId xmlns:a16="http://schemas.microsoft.com/office/drawing/2014/main" id="{9BC48BFF-FBF8-9B81-2B40-808C46A3E14C}"/>
-                </a:ext>
-              </a:extLst>
-            </p:cNvPr>
-            <p:cNvCxnSpPr>
-              <a:cxnSpLocks/>
-            </p:cNvCxnSpPr>
-            <p:nvPr/>
-          </p:nvCxnSpPr>
-          <p:spPr>
-            <a:xfrm flipH="1">
-              <a:off x="5989227" y="2322703"/>
-              <a:ext cx="2411386" cy="0"/>
-            </a:xfrm>
-            <a:prstGeom prst="line">
-              <a:avLst/>
-            </a:prstGeom>
-            <a:ln w="25400"/>
-          </p:spPr>
-          <p:style>
-            <a:lnRef idx="1">
-              <a:schemeClr val="dk1"/>
-            </a:lnRef>
-            <a:fillRef idx="0">
-              <a:schemeClr val="dk1"/>
-            </a:fillRef>
-            <a:effectRef idx="0">
-              <a:schemeClr val="dk1"/>
-            </a:effectRef>
-            <a:fontRef idx="minor">
-              <a:schemeClr val="tx1"/>
-            </a:fontRef>
-          </p:style>
-        </p:cxnSp>
-        <p:sp>
-          <p:nvSpPr>
-            <p:cNvPr id="47" name="TextBox 46">
-              <a:extLst>
-                <a:ext uri="{FF2B5EF4-FFF2-40B4-BE49-F238E27FC236}">
-                  <a16:creationId xmlns:a16="http://schemas.microsoft.com/office/drawing/2014/main" id="{ABCC9A40-9331-7FE6-775D-8503F09CC679}"/>
+                  <a16:creationId xmlns:a16="http://schemas.microsoft.com/office/drawing/2014/main" id="{227D732B-0652-54FE-BB82-1CC4BE3D9FBB}"/>
                 </a:ext>
               </a:extLst>
             </p:cNvPr>
@@ -4876,9 +4765,588 @@
             <p:nvPr/>
           </p:nvSpPr>
           <p:spPr>
-            <a:xfrm rot="16200000">
-              <a:off x="4721757" y="1319095"/>
-              <a:ext cx="1736567" cy="276999"/>
+            <a:xfrm>
+              <a:off x="8043774" y="1934478"/>
+              <a:ext cx="530402" cy="307777"/>
+            </a:xfrm>
+            <a:prstGeom prst="rect">
+              <a:avLst/>
+            </a:prstGeom>
+            <a:noFill/>
+          </p:spPr>
+          <p:txBody>
+            <a:bodyPr wrap="none" rtlCol="0">
+              <a:spAutoFit/>
+            </a:bodyPr>
+            <a:lstStyle/>
+            <a:p>
+              <a:r>
+                <a:rPr lang="en-AU" sz="1400" b="1" dirty="0">
+                  <a:solidFill>
+                    <a:schemeClr val="accent6"/>
+                  </a:solidFill>
+                  <a:latin typeface="Times New Roman" panose="02020603050405020304" pitchFamily="18" charset="0"/>
+                  <a:cs typeface="Times New Roman" panose="02020603050405020304" pitchFamily="18" charset="0"/>
+                </a:rPr>
+                <a:t>ATP</a:t>
+              </a:r>
+            </a:p>
+          </p:txBody>
+        </p:sp>
+        <p:grpSp>
+          <p:nvGrpSpPr>
+            <p:cNvPr id="57" name="Group 56">
+              <a:extLst>
+                <a:ext uri="{FF2B5EF4-FFF2-40B4-BE49-F238E27FC236}">
+                  <a16:creationId xmlns:a16="http://schemas.microsoft.com/office/drawing/2014/main" id="{49B94BFA-9597-0486-4683-B887F0C5BFA0}"/>
+                </a:ext>
+              </a:extLst>
+            </p:cNvPr>
+            <p:cNvGrpSpPr/>
+            <p:nvPr/>
+          </p:nvGrpSpPr>
+          <p:grpSpPr>
+            <a:xfrm>
+              <a:off x="5263002" y="426181"/>
+              <a:ext cx="3424073" cy="2386856"/>
+              <a:chOff x="5263002" y="452307"/>
+              <a:chExt cx="3424073" cy="2386856"/>
+            </a:xfrm>
+          </p:grpSpPr>
+          <p:cxnSp>
+            <p:nvCxnSpPr>
+              <p:cNvPr id="45" name="Straight Connector 44">
+                <a:extLst>
+                  <a:ext uri="{FF2B5EF4-FFF2-40B4-BE49-F238E27FC236}">
+                    <a16:creationId xmlns:a16="http://schemas.microsoft.com/office/drawing/2014/main" id="{F980C814-AE0F-61A6-C075-EEFEDC8B3B33}"/>
+                  </a:ext>
+                </a:extLst>
+              </p:cNvPr>
+              <p:cNvCxnSpPr>
+                <a:cxnSpLocks/>
+              </p:cNvCxnSpPr>
+              <p:nvPr/>
+            </p:nvCxnSpPr>
+            <p:spPr>
+              <a:xfrm>
+                <a:off x="5996320" y="593804"/>
+                <a:ext cx="0" cy="1736574"/>
+              </a:xfrm>
+              <a:prstGeom prst="line">
+                <a:avLst/>
+              </a:prstGeom>
+              <a:ln w="25400"/>
+            </p:spPr>
+            <p:style>
+              <a:lnRef idx="1">
+                <a:schemeClr val="dk1"/>
+              </a:lnRef>
+              <a:fillRef idx="0">
+                <a:schemeClr val="dk1"/>
+              </a:fillRef>
+              <a:effectRef idx="0">
+                <a:schemeClr val="dk1"/>
+              </a:effectRef>
+              <a:fontRef idx="minor">
+                <a:schemeClr val="tx1"/>
+              </a:fontRef>
+            </p:style>
+          </p:cxnSp>
+          <p:cxnSp>
+            <p:nvCxnSpPr>
+              <p:cNvPr id="46" name="Straight Connector 45">
+                <a:extLst>
+                  <a:ext uri="{FF2B5EF4-FFF2-40B4-BE49-F238E27FC236}">
+                    <a16:creationId xmlns:a16="http://schemas.microsoft.com/office/drawing/2014/main" id="{9BC48BFF-FBF8-9B81-2B40-808C46A3E14C}"/>
+                  </a:ext>
+                </a:extLst>
+              </p:cNvPr>
+              <p:cNvCxnSpPr>
+                <a:cxnSpLocks/>
+              </p:cNvCxnSpPr>
+              <p:nvPr/>
+            </p:nvCxnSpPr>
+            <p:spPr>
+              <a:xfrm flipH="1">
+                <a:off x="5989227" y="2322703"/>
+                <a:ext cx="2584949" cy="0"/>
+              </a:xfrm>
+              <a:prstGeom prst="line">
+                <a:avLst/>
+              </a:prstGeom>
+              <a:ln w="25400"/>
+            </p:spPr>
+            <p:style>
+              <a:lnRef idx="1">
+                <a:schemeClr val="dk1"/>
+              </a:lnRef>
+              <a:fillRef idx="0">
+                <a:schemeClr val="dk1"/>
+              </a:fillRef>
+              <a:effectRef idx="0">
+                <a:schemeClr val="dk1"/>
+              </a:effectRef>
+              <a:fontRef idx="minor">
+                <a:schemeClr val="tx1"/>
+              </a:fontRef>
+            </p:style>
+          </p:cxnSp>
+          <p:sp>
+            <p:nvSpPr>
+              <p:cNvPr id="47" name="TextBox 46">
+                <a:extLst>
+                  <a:ext uri="{FF2B5EF4-FFF2-40B4-BE49-F238E27FC236}">
+                    <a16:creationId xmlns:a16="http://schemas.microsoft.com/office/drawing/2014/main" id="{ABCC9A40-9331-7FE6-775D-8503F09CC679}"/>
+                  </a:ext>
+                </a:extLst>
+              </p:cNvPr>
+              <p:cNvSpPr txBox="1"/>
+              <p:nvPr/>
+            </p:nvSpPr>
+            <p:spPr>
+              <a:xfrm rot="16200000">
+                <a:off x="4721757" y="1319095"/>
+                <a:ext cx="1736567" cy="276999"/>
+              </a:xfrm>
+              <a:prstGeom prst="rect">
+                <a:avLst/>
+              </a:prstGeom>
+              <a:noFill/>
+            </p:spPr>
+            <p:txBody>
+              <a:bodyPr wrap="square" rtlCol="0">
+                <a:spAutoFit/>
+              </a:bodyPr>
+              <a:lstStyle/>
+              <a:p>
+                <a:pPr algn="ctr"/>
+                <a:r>
+                  <a:rPr lang="en-AU" sz="1200" dirty="0">
+                    <a:latin typeface="Times New Roman" panose="02020603050405020304" pitchFamily="18" charset="0"/>
+                    <a:cs typeface="Times New Roman" panose="02020603050405020304" pitchFamily="18" charset="0"/>
+                  </a:rPr>
+                  <a:t>ROS | Respiration</a:t>
+                </a:r>
+                <a:endParaRPr lang="en-AU" sz="1200" baseline="-25000" dirty="0">
+                  <a:latin typeface="Times New Roman" panose="02020603050405020304" pitchFamily="18" charset="0"/>
+                  <a:cs typeface="Times New Roman" panose="02020603050405020304" pitchFamily="18" charset="0"/>
+                </a:endParaRPr>
+              </a:p>
+            </p:txBody>
+          </p:sp>
+          <p:sp>
+            <p:nvSpPr>
+              <p:cNvPr id="48" name="TextBox 47">
+                <a:extLst>
+                  <a:ext uri="{FF2B5EF4-FFF2-40B4-BE49-F238E27FC236}">
+                    <a16:creationId xmlns:a16="http://schemas.microsoft.com/office/drawing/2014/main" id="{EEEA84EF-EAEE-9472-3352-36FEE9479145}"/>
+                  </a:ext>
+                </a:extLst>
+              </p:cNvPr>
+              <p:cNvSpPr txBox="1"/>
+              <p:nvPr/>
+            </p:nvSpPr>
+            <p:spPr>
+              <a:xfrm>
+                <a:off x="6004350" y="2531386"/>
+                <a:ext cx="2362991" cy="307777"/>
+              </a:xfrm>
+              <a:prstGeom prst="rect">
+                <a:avLst/>
+              </a:prstGeom>
+              <a:noFill/>
+            </p:spPr>
+            <p:txBody>
+              <a:bodyPr wrap="square" rtlCol="0">
+                <a:spAutoFit/>
+              </a:bodyPr>
+              <a:lstStyle/>
+              <a:p>
+                <a:pPr algn="ctr"/>
+                <a:r>
+                  <a:rPr lang="en-AU" sz="1400" dirty="0">
+                    <a:latin typeface="Times New Roman" panose="02020603050405020304" pitchFamily="18" charset="0"/>
+                    <a:cs typeface="Times New Roman" panose="02020603050405020304" pitchFamily="18" charset="0"/>
+                  </a:rPr>
+                  <a:t>Temperature (C)</a:t>
+                </a:r>
+              </a:p>
+            </p:txBody>
+          </p:sp>
+          <p:sp>
+            <p:nvSpPr>
+              <p:cNvPr id="49" name="TextBox 48">
+                <a:extLst>
+                  <a:ext uri="{FF2B5EF4-FFF2-40B4-BE49-F238E27FC236}">
+                    <a16:creationId xmlns:a16="http://schemas.microsoft.com/office/drawing/2014/main" id="{F2BCA786-F2DD-AD78-2C82-C60D4ACC3175}"/>
+                  </a:ext>
+                </a:extLst>
+              </p:cNvPr>
+              <p:cNvSpPr txBox="1"/>
+              <p:nvPr/>
+            </p:nvSpPr>
+            <p:spPr>
+              <a:xfrm>
+                <a:off x="5550396" y="495335"/>
+                <a:ext cx="617804" cy="276999"/>
+              </a:xfrm>
+              <a:prstGeom prst="rect">
+                <a:avLst/>
+              </a:prstGeom>
+              <a:noFill/>
+            </p:spPr>
+            <p:txBody>
+              <a:bodyPr wrap="square" rtlCol="0">
+                <a:spAutoFit/>
+              </a:bodyPr>
+              <a:lstStyle/>
+              <a:p>
+                <a:r>
+                  <a:rPr lang="en-AU" sz="1200" dirty="0">
+                    <a:latin typeface="Times New Roman" panose="02020603050405020304" pitchFamily="18" charset="0"/>
+                    <a:cs typeface="Times New Roman" panose="02020603050405020304" pitchFamily="18" charset="0"/>
+                  </a:rPr>
+                  <a:t>High-</a:t>
+                </a:r>
+              </a:p>
+            </p:txBody>
+          </p:sp>
+          <p:sp>
+            <p:nvSpPr>
+              <p:cNvPr id="50" name="Freeform 49">
+                <a:extLst>
+                  <a:ext uri="{FF2B5EF4-FFF2-40B4-BE49-F238E27FC236}">
+                    <a16:creationId xmlns:a16="http://schemas.microsoft.com/office/drawing/2014/main" id="{F1A97DFF-DA19-CD86-7033-38FF25CD2F8A}"/>
+                  </a:ext>
+                </a:extLst>
+              </p:cNvPr>
+              <p:cNvSpPr/>
+              <p:nvPr/>
+            </p:nvSpPr>
+            <p:spPr>
+              <a:xfrm rot="19370398" flipV="1">
+                <a:off x="5844646" y="1444008"/>
+                <a:ext cx="2661741" cy="369064"/>
+              </a:xfrm>
+              <a:custGeom>
+                <a:avLst/>
+                <a:gdLst>
+                  <a:gd name="connsiteX0" fmla="*/ 0 w 2266121"/>
+                  <a:gd name="connsiteY0" fmla="*/ 537243 h 537243"/>
+                  <a:gd name="connsiteX1" fmla="*/ 636104 w 2266121"/>
+                  <a:gd name="connsiteY1" fmla="*/ 70104 h 537243"/>
+                  <a:gd name="connsiteX2" fmla="*/ 2266121 w 2266121"/>
+                  <a:gd name="connsiteY2" fmla="*/ 10469 h 537243"/>
+                </a:gdLst>
+                <a:ahLst/>
+                <a:cxnLst>
+                  <a:cxn ang="0">
+                    <a:pos x="connsiteX0" y="connsiteY0"/>
+                  </a:cxn>
+                  <a:cxn ang="0">
+                    <a:pos x="connsiteX1" y="connsiteY1"/>
+                  </a:cxn>
+                  <a:cxn ang="0">
+                    <a:pos x="connsiteX2" y="connsiteY2"/>
+                  </a:cxn>
+                </a:cxnLst>
+                <a:rect l="l" t="t" r="r" b="b"/>
+                <a:pathLst>
+                  <a:path w="2266121" h="537243">
+                    <a:moveTo>
+                      <a:pt x="0" y="537243"/>
+                    </a:moveTo>
+                    <a:cubicBezTo>
+                      <a:pt x="129208" y="347571"/>
+                      <a:pt x="258417" y="157900"/>
+                      <a:pt x="636104" y="70104"/>
+                    </a:cubicBezTo>
+                    <a:cubicBezTo>
+                      <a:pt x="1013791" y="-17692"/>
+                      <a:pt x="1639956" y="-3612"/>
+                      <a:pt x="2266121" y="10469"/>
+                    </a:cubicBezTo>
+                  </a:path>
+                </a:pathLst>
+              </a:custGeom>
+              <a:noFill/>
+              <a:ln w="17780">
+                <a:solidFill>
+                  <a:schemeClr val="tx2">
+                    <a:lumMod val="90000"/>
+                    <a:lumOff val="10000"/>
+                  </a:schemeClr>
+                </a:solidFill>
+                <a:prstDash val="dashDot"/>
+              </a:ln>
+            </p:spPr>
+            <p:style>
+              <a:lnRef idx="2">
+                <a:schemeClr val="accent1">
+                  <a:shade val="50000"/>
+                </a:schemeClr>
+              </a:lnRef>
+              <a:fillRef idx="1">
+                <a:schemeClr val="accent1"/>
+              </a:fillRef>
+              <a:effectRef idx="0">
+                <a:schemeClr val="accent1"/>
+              </a:effectRef>
+              <a:fontRef idx="minor">
+                <a:schemeClr val="lt1"/>
+              </a:fontRef>
+            </p:style>
+            <p:txBody>
+              <a:bodyPr rtlCol="0" anchor="ctr"/>
+              <a:lstStyle/>
+              <a:p>
+                <a:pPr algn="ctr"/>
+                <a:endParaRPr lang="en-AU"/>
+              </a:p>
+            </p:txBody>
+          </p:sp>
+          <p:sp>
+            <p:nvSpPr>
+              <p:cNvPr id="51" name="TextBox 50">
+                <a:extLst>
+                  <a:ext uri="{FF2B5EF4-FFF2-40B4-BE49-F238E27FC236}">
+                    <a16:creationId xmlns:a16="http://schemas.microsoft.com/office/drawing/2014/main" id="{D104500C-62CF-2544-B87A-7B3EE7FCC04E}"/>
+                  </a:ext>
+                </a:extLst>
+              </p:cNvPr>
+              <p:cNvSpPr txBox="1"/>
+              <p:nvPr/>
+            </p:nvSpPr>
+            <p:spPr>
+              <a:xfrm>
+                <a:off x="5549982" y="2105579"/>
+                <a:ext cx="617804" cy="276999"/>
+              </a:xfrm>
+              <a:prstGeom prst="rect">
+                <a:avLst/>
+              </a:prstGeom>
+              <a:noFill/>
+            </p:spPr>
+            <p:txBody>
+              <a:bodyPr wrap="square" rtlCol="0">
+                <a:spAutoFit/>
+              </a:bodyPr>
+              <a:lstStyle/>
+              <a:p>
+                <a:r>
+                  <a:rPr lang="en-AU" sz="1200" dirty="0">
+                    <a:latin typeface="Times New Roman" panose="02020603050405020304" pitchFamily="18" charset="0"/>
+                    <a:cs typeface="Times New Roman" panose="02020603050405020304" pitchFamily="18" charset="0"/>
+                  </a:rPr>
+                  <a:t>Low-</a:t>
+                </a:r>
+              </a:p>
+            </p:txBody>
+          </p:sp>
+          <p:sp>
+            <p:nvSpPr>
+              <p:cNvPr id="52" name="TextBox 51">
+                <a:extLst>
+                  <a:ext uri="{FF2B5EF4-FFF2-40B4-BE49-F238E27FC236}">
+                    <a16:creationId xmlns:a16="http://schemas.microsoft.com/office/drawing/2014/main" id="{132C0C45-8FC7-2F61-E52F-2F8F53F75D6B}"/>
+                  </a:ext>
+                </a:extLst>
+              </p:cNvPr>
+              <p:cNvSpPr txBox="1"/>
+              <p:nvPr/>
+            </p:nvSpPr>
+            <p:spPr>
+              <a:xfrm>
+                <a:off x="8303637" y="796981"/>
+                <a:ext cx="383438" cy="307777"/>
+              </a:xfrm>
+              <a:prstGeom prst="rect">
+                <a:avLst/>
+              </a:prstGeom>
+              <a:noFill/>
+            </p:spPr>
+            <p:txBody>
+              <a:bodyPr wrap="none" rtlCol="0">
+                <a:spAutoFit/>
+              </a:bodyPr>
+              <a:lstStyle/>
+              <a:p>
+                <a:r>
+                  <a:rPr lang="en-AU" sz="1400" b="1" dirty="0">
+                    <a:solidFill>
+                      <a:srgbClr val="0070C0"/>
+                    </a:solidFill>
+                    <a:latin typeface="Times New Roman" panose="02020603050405020304" pitchFamily="18" charset="0"/>
+                    <a:cs typeface="Times New Roman" panose="02020603050405020304" pitchFamily="18" charset="0"/>
+                  </a:rPr>
+                  <a:t>O</a:t>
+                </a:r>
+                <a:r>
+                  <a:rPr lang="en-AU" sz="1400" b="1" baseline="-25000" dirty="0">
+                    <a:solidFill>
+                      <a:srgbClr val="0070C0"/>
+                    </a:solidFill>
+                    <a:latin typeface="Times New Roman" panose="02020603050405020304" pitchFamily="18" charset="0"/>
+                    <a:cs typeface="Times New Roman" panose="02020603050405020304" pitchFamily="18" charset="0"/>
+                  </a:rPr>
+                  <a:t>2</a:t>
+                </a:r>
+              </a:p>
+            </p:txBody>
+          </p:sp>
+          <p:sp>
+            <p:nvSpPr>
+              <p:cNvPr id="53" name="Freeform 52">
+                <a:extLst>
+                  <a:ext uri="{FF2B5EF4-FFF2-40B4-BE49-F238E27FC236}">
+                    <a16:creationId xmlns:a16="http://schemas.microsoft.com/office/drawing/2014/main" id="{94AF211E-52A6-2C43-6C45-82E42B28DE9D}"/>
+                  </a:ext>
+                </a:extLst>
+              </p:cNvPr>
+              <p:cNvSpPr/>
+              <p:nvPr/>
+            </p:nvSpPr>
+            <p:spPr>
+              <a:xfrm>
+                <a:off x="6203135" y="1310560"/>
+                <a:ext cx="1893195" cy="959193"/>
+              </a:xfrm>
+              <a:custGeom>
+                <a:avLst/>
+                <a:gdLst>
+                  <a:gd name="connsiteX0" fmla="*/ 0 w 1893195"/>
+                  <a:gd name="connsiteY0" fmla="*/ 1417202 h 1417202"/>
+                  <a:gd name="connsiteX1" fmla="*/ 1223493 w 1893195"/>
+                  <a:gd name="connsiteY1" fmla="*/ 526 h 1417202"/>
+                  <a:gd name="connsiteX2" fmla="*/ 1893195 w 1893195"/>
+                  <a:gd name="connsiteY2" fmla="*/ 1236898 h 1417202"/>
+                  <a:gd name="connsiteX3" fmla="*/ 1893195 w 1893195"/>
+                  <a:gd name="connsiteY3" fmla="*/ 1236898 h 1417202"/>
+                </a:gdLst>
+                <a:ahLst/>
+                <a:cxnLst>
+                  <a:cxn ang="0">
+                    <a:pos x="connsiteX0" y="connsiteY0"/>
+                  </a:cxn>
+                  <a:cxn ang="0">
+                    <a:pos x="connsiteX1" y="connsiteY1"/>
+                  </a:cxn>
+                  <a:cxn ang="0">
+                    <a:pos x="connsiteX2" y="connsiteY2"/>
+                  </a:cxn>
+                  <a:cxn ang="0">
+                    <a:pos x="connsiteX3" y="connsiteY3"/>
+                  </a:cxn>
+                </a:cxnLst>
+                <a:rect l="l" t="t" r="r" b="b"/>
+                <a:pathLst>
+                  <a:path w="1893195" h="1417202">
+                    <a:moveTo>
+                      <a:pt x="0" y="1417202"/>
+                    </a:moveTo>
+                    <a:cubicBezTo>
+                      <a:pt x="453980" y="723889"/>
+                      <a:pt x="907961" y="30577"/>
+                      <a:pt x="1223493" y="526"/>
+                    </a:cubicBezTo>
+                    <a:cubicBezTo>
+                      <a:pt x="1539025" y="-29525"/>
+                      <a:pt x="1893195" y="1236898"/>
+                      <a:pt x="1893195" y="1236898"/>
+                    </a:cubicBezTo>
+                    <a:lnTo>
+                      <a:pt x="1893195" y="1236898"/>
+                    </a:lnTo>
+                  </a:path>
+                </a:pathLst>
+              </a:custGeom>
+              <a:noFill/>
+              <a:ln>
+                <a:solidFill>
+                  <a:schemeClr val="accent6"/>
+                </a:solidFill>
+              </a:ln>
+            </p:spPr>
+            <p:style>
+              <a:lnRef idx="2">
+                <a:schemeClr val="accent1">
+                  <a:shade val="15000"/>
+                </a:schemeClr>
+              </a:lnRef>
+              <a:fillRef idx="1">
+                <a:schemeClr val="accent1"/>
+              </a:fillRef>
+              <a:effectRef idx="0">
+                <a:schemeClr val="accent1"/>
+              </a:effectRef>
+              <a:fontRef idx="minor">
+                <a:schemeClr val="lt1"/>
+              </a:fontRef>
+            </p:style>
+            <p:txBody>
+              <a:bodyPr rtlCol="0" anchor="ctr"/>
+              <a:lstStyle/>
+              <a:p>
+                <a:pPr algn="ctr"/>
+                <a:endParaRPr lang="en-AU"/>
+              </a:p>
+            </p:txBody>
+          </p:sp>
+          <p:sp>
+            <p:nvSpPr>
+              <p:cNvPr id="55" name="TextBox 54">
+                <a:extLst>
+                  <a:ext uri="{FF2B5EF4-FFF2-40B4-BE49-F238E27FC236}">
+                    <a16:creationId xmlns:a16="http://schemas.microsoft.com/office/drawing/2014/main" id="{A3F4E530-6C30-C513-91E7-F23E63070D1A}"/>
+                  </a:ext>
+                </a:extLst>
+              </p:cNvPr>
+              <p:cNvSpPr txBox="1"/>
+              <p:nvPr/>
+            </p:nvSpPr>
+            <p:spPr>
+              <a:xfrm>
+                <a:off x="5263002" y="452307"/>
+                <a:ext cx="428322" cy="369332"/>
+              </a:xfrm>
+              <a:prstGeom prst="rect">
+                <a:avLst/>
+              </a:prstGeom>
+              <a:noFill/>
+            </p:spPr>
+            <p:txBody>
+              <a:bodyPr wrap="none" rtlCol="0">
+                <a:spAutoFit/>
+              </a:bodyPr>
+              <a:lstStyle/>
+              <a:p>
+                <a:r>
+                  <a:rPr lang="en-AU" b="1" dirty="0">
+                    <a:latin typeface="Times New Roman" panose="02020603050405020304" pitchFamily="18" charset="0"/>
+                    <a:cs typeface="Times New Roman" panose="02020603050405020304" pitchFamily="18" charset="0"/>
+                  </a:rPr>
+                  <a:t>B)</a:t>
+                </a:r>
+              </a:p>
+            </p:txBody>
+          </p:sp>
+        </p:grpSp>
+        <p:sp>
+          <p:nvSpPr>
+            <p:cNvPr id="16" name="TextBox 15">
+              <a:extLst>
+                <a:ext uri="{FF2B5EF4-FFF2-40B4-BE49-F238E27FC236}">
+                  <a16:creationId xmlns:a16="http://schemas.microsoft.com/office/drawing/2014/main" id="{32707DA4-6A23-3FCB-108C-0D2E8604874B}"/>
+                </a:ext>
+              </a:extLst>
+            </p:cNvPr>
+            <p:cNvSpPr txBox="1"/>
+            <p:nvPr/>
+          </p:nvSpPr>
+          <p:spPr>
+            <a:xfrm>
+              <a:off x="1499241" y="428784"/>
+              <a:ext cx="1320829" cy="646331"/>
             </a:xfrm>
             <a:prstGeom prst="rect">
               <a:avLst/>
@@ -4893,25 +5361,41 @@
             <a:p>
               <a:pPr algn="ctr"/>
               <a:r>
-                <a:rPr lang="en-AU" sz="1200" dirty="0">
+                <a:rPr lang="en-AU" sz="1200" b="1" dirty="0">
                   <a:latin typeface="Times New Roman" panose="02020603050405020304" pitchFamily="18" charset="0"/>
                   <a:cs typeface="Times New Roman" panose="02020603050405020304" pitchFamily="18" charset="0"/>
                 </a:rPr>
-                <a:t>ROS | Respiration</a:t>
+                <a:t>Low </a:t>
               </a:r>
-              <a:endParaRPr lang="en-AU" sz="1200" baseline="-25000" dirty="0">
-                <a:latin typeface="Times New Roman" panose="02020603050405020304" pitchFamily="18" charset="0"/>
-                <a:cs typeface="Times New Roman" panose="02020603050405020304" pitchFamily="18" charset="0"/>
-              </a:endParaRPr>
+            </a:p>
+            <a:p>
+              <a:pPr algn="ctr"/>
+              <a:r>
+                <a:rPr lang="en-AU" sz="1200" b="1" dirty="0">
+                  <a:latin typeface="Times New Roman" panose="02020603050405020304" pitchFamily="18" charset="0"/>
+                  <a:cs typeface="Times New Roman" panose="02020603050405020304" pitchFamily="18" charset="0"/>
+                </a:rPr>
+                <a:t>maintenance </a:t>
+              </a:r>
+            </a:p>
+            <a:p>
+              <a:pPr algn="ctr"/>
+              <a:r>
+                <a:rPr lang="en-AU" sz="1200" b="1" dirty="0">
+                  <a:latin typeface="Times New Roman" panose="02020603050405020304" pitchFamily="18" charset="0"/>
+                  <a:cs typeface="Times New Roman" panose="02020603050405020304" pitchFamily="18" charset="0"/>
+                </a:rPr>
+                <a:t>costs</a:t>
+              </a:r>
             </a:p>
           </p:txBody>
         </p:sp>
         <p:sp>
           <p:nvSpPr>
-            <p:cNvPr id="48" name="TextBox 47">
+            <p:cNvPr id="18" name="TextBox 17">
               <a:extLst>
                 <a:ext uri="{FF2B5EF4-FFF2-40B4-BE49-F238E27FC236}">
-                  <a16:creationId xmlns:a16="http://schemas.microsoft.com/office/drawing/2014/main" id="{EEEA84EF-EAEE-9472-3352-36FEE9479145}"/>
+                  <a16:creationId xmlns:a16="http://schemas.microsoft.com/office/drawing/2014/main" id="{37CE9DCD-C0E9-241A-4AE3-CA15AC98312C}"/>
                 </a:ext>
               </a:extLst>
             </p:cNvPr>
@@ -4920,8 +5404,8 @@
           </p:nvSpPr>
           <p:spPr>
             <a:xfrm>
-              <a:off x="6004350" y="2531386"/>
-              <a:ext cx="2362991" cy="307777"/>
+              <a:off x="2972169" y="466302"/>
+              <a:ext cx="1320829" cy="646331"/>
             </a:xfrm>
             <a:prstGeom prst="rect">
               <a:avLst/>
@@ -4936,59 +5420,41 @@
             <a:p>
               <a:pPr algn="ctr"/>
               <a:r>
-                <a:rPr lang="en-AU" sz="1400" dirty="0">
+                <a:rPr lang="en-AU" sz="1200" b="1" dirty="0">
                   <a:latin typeface="Times New Roman" panose="02020603050405020304" pitchFamily="18" charset="0"/>
                   <a:cs typeface="Times New Roman" panose="02020603050405020304" pitchFamily="18" charset="0"/>
                 </a:rPr>
-                <a:t>Temperature (C)</a:t>
+                <a:t> High</a:t>
+              </a:r>
+            </a:p>
+            <a:p>
+              <a:pPr algn="ctr"/>
+              <a:r>
+                <a:rPr lang="en-AU" sz="1200" b="1" dirty="0">
+                  <a:latin typeface="Times New Roman" panose="02020603050405020304" pitchFamily="18" charset="0"/>
+                  <a:cs typeface="Times New Roman" panose="02020603050405020304" pitchFamily="18" charset="0"/>
+                </a:rPr>
+                <a:t>maintenance </a:t>
+              </a:r>
+            </a:p>
+            <a:p>
+              <a:pPr algn="ctr"/>
+              <a:r>
+                <a:rPr lang="en-AU" sz="1200" b="1" dirty="0">
+                  <a:latin typeface="Times New Roman" panose="02020603050405020304" pitchFamily="18" charset="0"/>
+                  <a:cs typeface="Times New Roman" panose="02020603050405020304" pitchFamily="18" charset="0"/>
+                </a:rPr>
+                <a:t>costs</a:t>
               </a:r>
             </a:p>
           </p:txBody>
         </p:sp>
         <p:sp>
           <p:nvSpPr>
-            <p:cNvPr id="49" name="TextBox 48">
+            <p:cNvPr id="19" name="Rounded Rectangle 18">
               <a:extLst>
                 <a:ext uri="{FF2B5EF4-FFF2-40B4-BE49-F238E27FC236}">
-                  <a16:creationId xmlns:a16="http://schemas.microsoft.com/office/drawing/2014/main" id="{F2BCA786-F2DD-AD78-2C82-C60D4ACC3175}"/>
-                </a:ext>
-              </a:extLst>
-            </p:cNvPr>
-            <p:cNvSpPr txBox="1"/>
-            <p:nvPr/>
-          </p:nvSpPr>
-          <p:spPr>
-            <a:xfrm>
-              <a:off x="5550396" y="495335"/>
-              <a:ext cx="617804" cy="276999"/>
-            </a:xfrm>
-            <a:prstGeom prst="rect">
-              <a:avLst/>
-            </a:prstGeom>
-            <a:noFill/>
-          </p:spPr>
-          <p:txBody>
-            <a:bodyPr wrap="square" rtlCol="0">
-              <a:spAutoFit/>
-            </a:bodyPr>
-            <a:lstStyle/>
-            <a:p>
-              <a:r>
-                <a:rPr lang="en-AU" sz="1200" dirty="0">
-                  <a:latin typeface="Times New Roman" panose="02020603050405020304" pitchFamily="18" charset="0"/>
-                  <a:cs typeface="Times New Roman" panose="02020603050405020304" pitchFamily="18" charset="0"/>
-                </a:rPr>
-                <a:t>High-</a:t>
-              </a:r>
-            </a:p>
-          </p:txBody>
-        </p:sp>
-        <p:sp>
-          <p:nvSpPr>
-            <p:cNvPr id="50" name="Freeform 49">
-              <a:extLst>
-                <a:ext uri="{FF2B5EF4-FFF2-40B4-BE49-F238E27FC236}">
-                  <a16:creationId xmlns:a16="http://schemas.microsoft.com/office/drawing/2014/main" id="{F1A97DFF-DA19-CD86-7033-38FF25CD2F8A}"/>
+                  <a16:creationId xmlns:a16="http://schemas.microsoft.com/office/drawing/2014/main" id="{12D1FFBC-BA56-16A0-7ED1-92420F39E196}"/>
                 </a:ext>
               </a:extLst>
             </p:cNvPr>
@@ -4996,73 +5462,32 @@
             <p:nvPr/>
           </p:nvSpPr>
           <p:spPr>
-            <a:xfrm rot="19370398" flipV="1">
-              <a:off x="5805790" y="1509043"/>
-              <a:ext cx="2507132" cy="188437"/>
+            <a:xfrm>
+              <a:off x="2005973" y="1087378"/>
+              <a:ext cx="297809" cy="1198577"/>
             </a:xfrm>
-            <a:custGeom>
+            <a:prstGeom prst="roundRect">
               <a:avLst/>
-              <a:gdLst>
-                <a:gd name="connsiteX0" fmla="*/ 0 w 2266121"/>
-                <a:gd name="connsiteY0" fmla="*/ 537243 h 537243"/>
-                <a:gd name="connsiteX1" fmla="*/ 636104 w 2266121"/>
-                <a:gd name="connsiteY1" fmla="*/ 70104 h 537243"/>
-                <a:gd name="connsiteX2" fmla="*/ 2266121 w 2266121"/>
-                <a:gd name="connsiteY2" fmla="*/ 10469 h 537243"/>
-              </a:gdLst>
-              <a:ahLst/>
-              <a:cxnLst>
-                <a:cxn ang="0">
-                  <a:pos x="connsiteX0" y="connsiteY0"/>
-                </a:cxn>
-                <a:cxn ang="0">
-                  <a:pos x="connsiteX1" y="connsiteY1"/>
-                </a:cxn>
-                <a:cxn ang="0">
-                  <a:pos x="connsiteX2" y="connsiteY2"/>
-                </a:cxn>
-              </a:cxnLst>
-              <a:rect l="l" t="t" r="r" b="b"/>
-              <a:pathLst>
-                <a:path w="2266121" h="537243">
-                  <a:moveTo>
-                    <a:pt x="0" y="537243"/>
-                  </a:moveTo>
-                  <a:cubicBezTo>
-                    <a:pt x="129208" y="347571"/>
-                    <a:pt x="258417" y="157900"/>
-                    <a:pt x="636104" y="70104"/>
-                  </a:cubicBezTo>
-                  <a:cubicBezTo>
-                    <a:pt x="1013791" y="-17692"/>
-                    <a:pt x="1639956" y="-3612"/>
-                    <a:pt x="2266121" y="10469"/>
-                  </a:cubicBezTo>
-                </a:path>
-              </a:pathLst>
-            </a:custGeom>
-            <a:noFill/>
-            <a:ln w="17780">
-              <a:solidFill>
-                <a:schemeClr val="tx2">
-                  <a:lumMod val="90000"/>
-                  <a:lumOff val="10000"/>
-                </a:schemeClr>
-              </a:solidFill>
-              <a:prstDash val="dashDot"/>
-            </a:ln>
+            </a:prstGeom>
+            <a:solidFill>
+              <a:schemeClr val="bg1">
+                <a:lumMod val="75000"/>
+                <a:alpha val="35000"/>
+              </a:schemeClr>
+            </a:solidFill>
+            <a:ln w="6350"/>
           </p:spPr>
           <p:style>
             <a:lnRef idx="2">
-              <a:schemeClr val="accent1">
-                <a:shade val="50000"/>
+              <a:schemeClr val="dk1">
+                <a:shade val="15000"/>
               </a:schemeClr>
             </a:lnRef>
             <a:fillRef idx="1">
-              <a:schemeClr val="accent1"/>
+              <a:schemeClr val="dk1"/>
             </a:fillRef>
             <a:effectRef idx="0">
-              <a:schemeClr val="accent1"/>
+              <a:schemeClr val="dk1"/>
             </a:effectRef>
             <a:fontRef idx="minor">
               <a:schemeClr val="lt1"/>
@@ -5079,10 +5504,63 @@
         </p:sp>
         <p:sp>
           <p:nvSpPr>
-            <p:cNvPr id="51" name="TextBox 50">
+            <p:cNvPr id="22" name="Rounded Rectangle 21">
               <a:extLst>
                 <a:ext uri="{FF2B5EF4-FFF2-40B4-BE49-F238E27FC236}">
-                  <a16:creationId xmlns:a16="http://schemas.microsoft.com/office/drawing/2014/main" id="{D104500C-62CF-2544-B87A-7B3EE7FCC04E}"/>
+                  <a16:creationId xmlns:a16="http://schemas.microsoft.com/office/drawing/2014/main" id="{924001CE-8436-5966-DF61-4835F22BCE10}"/>
+                </a:ext>
+              </a:extLst>
+            </p:cNvPr>
+            <p:cNvSpPr/>
+            <p:nvPr/>
+          </p:nvSpPr>
+          <p:spPr>
+            <a:xfrm>
+              <a:off x="3476569" y="1087378"/>
+              <a:ext cx="297809" cy="1198577"/>
+            </a:xfrm>
+            <a:prstGeom prst="roundRect">
+              <a:avLst/>
+            </a:prstGeom>
+            <a:solidFill>
+              <a:schemeClr val="bg1">
+                <a:lumMod val="75000"/>
+                <a:alpha val="35000"/>
+              </a:schemeClr>
+            </a:solidFill>
+            <a:ln w="6350"/>
+          </p:spPr>
+          <p:style>
+            <a:lnRef idx="2">
+              <a:schemeClr val="dk1">
+                <a:shade val="15000"/>
+              </a:schemeClr>
+            </a:lnRef>
+            <a:fillRef idx="1">
+              <a:schemeClr val="dk1"/>
+            </a:fillRef>
+            <a:effectRef idx="0">
+              <a:schemeClr val="dk1"/>
+            </a:effectRef>
+            <a:fontRef idx="minor">
+              <a:schemeClr val="lt1"/>
+            </a:fontRef>
+          </p:style>
+          <p:txBody>
+            <a:bodyPr rtlCol="0" anchor="ctr"/>
+            <a:lstStyle/>
+            <a:p>
+              <a:pPr algn="ctr"/>
+              <a:endParaRPr lang="en-AU" dirty="0"/>
+            </a:p>
+          </p:txBody>
+        </p:sp>
+        <p:sp>
+          <p:nvSpPr>
+            <p:cNvPr id="36" name="TextBox 35">
+              <a:extLst>
+                <a:ext uri="{FF2B5EF4-FFF2-40B4-BE49-F238E27FC236}">
+                  <a16:creationId xmlns:a16="http://schemas.microsoft.com/office/drawing/2014/main" id="{940332C5-6712-9856-DA69-191901B263A7}"/>
                 </a:ext>
               </a:extLst>
             </p:cNvPr>
@@ -5091,8 +5569,8 @@
           </p:nvSpPr>
           <p:spPr>
             <a:xfrm>
-              <a:off x="5549982" y="2105579"/>
-              <a:ext cx="617804" cy="276999"/>
+              <a:off x="5809383" y="450522"/>
+              <a:ext cx="1320829" cy="646331"/>
             </a:xfrm>
             <a:prstGeom prst="rect">
               <a:avLst/>
@@ -5105,22 +5583,43 @@
             </a:bodyPr>
             <a:lstStyle/>
             <a:p>
+              <a:pPr algn="ctr"/>
               <a:r>
-                <a:rPr lang="en-AU" sz="1200" dirty="0">
+                <a:rPr lang="en-AU" sz="1200" b="1" dirty="0">
                   <a:latin typeface="Times New Roman" panose="02020603050405020304" pitchFamily="18" charset="0"/>
                   <a:cs typeface="Times New Roman" panose="02020603050405020304" pitchFamily="18" charset="0"/>
                 </a:rPr>
-                <a:t>Low-</a:t>
+                <a:t>Low </a:t>
+              </a:r>
+            </a:p>
+            <a:p>
+              <a:pPr algn="ctr"/>
+              <a:r>
+                <a:rPr lang="en-AU" sz="1200" b="1" dirty="0">
+                  <a:latin typeface="Times New Roman" panose="02020603050405020304" pitchFamily="18" charset="0"/>
+                  <a:cs typeface="Times New Roman" panose="02020603050405020304" pitchFamily="18" charset="0"/>
+                </a:rPr>
+                <a:t>maintenance </a:t>
+              </a:r>
+            </a:p>
+            <a:p>
+              <a:pPr algn="ctr"/>
+              <a:r>
+                <a:rPr lang="en-AU" sz="1200" b="1" dirty="0">
+                  <a:latin typeface="Times New Roman" panose="02020603050405020304" pitchFamily="18" charset="0"/>
+                  <a:cs typeface="Times New Roman" panose="02020603050405020304" pitchFamily="18" charset="0"/>
+                </a:rPr>
+                <a:t>costs</a:t>
               </a:r>
             </a:p>
           </p:txBody>
         </p:sp>
         <p:sp>
           <p:nvSpPr>
-            <p:cNvPr id="52" name="TextBox 51">
+            <p:cNvPr id="37" name="TextBox 36">
               <a:extLst>
                 <a:ext uri="{FF2B5EF4-FFF2-40B4-BE49-F238E27FC236}">
-                  <a16:creationId xmlns:a16="http://schemas.microsoft.com/office/drawing/2014/main" id="{132C0C45-8FC7-2F61-E52F-2F8F53F75D6B}"/>
+                  <a16:creationId xmlns:a16="http://schemas.microsoft.com/office/drawing/2014/main" id="{464476C0-B882-7C06-AA14-8697EDE31F10}"/>
                 </a:ext>
               </a:extLst>
             </p:cNvPr>
@@ -5129,8 +5628,8 @@
           </p:nvSpPr>
           <p:spPr>
             <a:xfrm>
-              <a:off x="8043784" y="703813"/>
-              <a:ext cx="383438" cy="307777"/>
+              <a:off x="7282311" y="488040"/>
+              <a:ext cx="1320829" cy="646331"/>
             </a:xfrm>
             <a:prstGeom prst="rect">
               <a:avLst/>
@@ -5138,40 +5637,48 @@
             <a:noFill/>
           </p:spPr>
           <p:txBody>
-            <a:bodyPr wrap="none" rtlCol="0">
+            <a:bodyPr wrap="square" rtlCol="0">
               <a:spAutoFit/>
             </a:bodyPr>
             <a:lstStyle/>
             <a:p>
+              <a:pPr algn="ctr"/>
               <a:r>
-                <a:rPr lang="en-AU" sz="1400" b="1" dirty="0">
-                  <a:solidFill>
-                    <a:srgbClr val="0070C0"/>
-                  </a:solidFill>
+                <a:rPr lang="en-AU" sz="1200" b="1" dirty="0">
                   <a:latin typeface="Times New Roman" panose="02020603050405020304" pitchFamily="18" charset="0"/>
                   <a:cs typeface="Times New Roman" panose="02020603050405020304" pitchFamily="18" charset="0"/>
                 </a:rPr>
-                <a:t>O</a:t>
+                <a:t> High</a:t>
               </a:r>
+            </a:p>
+            <a:p>
+              <a:pPr algn="ctr"/>
               <a:r>
-                <a:rPr lang="en-AU" sz="1400" b="1" baseline="-25000" dirty="0">
-                  <a:solidFill>
-                    <a:srgbClr val="0070C0"/>
-                  </a:solidFill>
+                <a:rPr lang="en-AU" sz="1200" b="1" dirty="0">
                   <a:latin typeface="Times New Roman" panose="02020603050405020304" pitchFamily="18" charset="0"/>
                   <a:cs typeface="Times New Roman" panose="02020603050405020304" pitchFamily="18" charset="0"/>
                 </a:rPr>
-                <a:t>2</a:t>
+                <a:t>maintenance </a:t>
+              </a:r>
+            </a:p>
+            <a:p>
+              <a:pPr algn="ctr"/>
+              <a:r>
+                <a:rPr lang="en-AU" sz="1200" b="1" dirty="0">
+                  <a:latin typeface="Times New Roman" panose="02020603050405020304" pitchFamily="18" charset="0"/>
+                  <a:cs typeface="Times New Roman" panose="02020603050405020304" pitchFamily="18" charset="0"/>
+                </a:rPr>
+                <a:t>costs</a:t>
               </a:r>
             </a:p>
           </p:txBody>
         </p:sp>
         <p:sp>
           <p:nvSpPr>
-            <p:cNvPr id="53" name="Freeform 52">
+            <p:cNvPr id="38" name="Rounded Rectangle 37">
               <a:extLst>
                 <a:ext uri="{FF2B5EF4-FFF2-40B4-BE49-F238E27FC236}">
-                  <a16:creationId xmlns:a16="http://schemas.microsoft.com/office/drawing/2014/main" id="{94AF211E-52A6-2C43-6C45-82E42B28DE9D}"/>
+                  <a16:creationId xmlns:a16="http://schemas.microsoft.com/office/drawing/2014/main" id="{909365AA-6E6D-31C8-3F35-E37EC3B4CDEA}"/>
                 </a:ext>
               </a:extLst>
             </p:cNvPr>
@@ -5180,76 +5687,31 @@
           </p:nvSpPr>
           <p:spPr>
             <a:xfrm>
-              <a:off x="6203135" y="1310560"/>
-              <a:ext cx="1893195" cy="959193"/>
+              <a:off x="6316115" y="1087378"/>
+              <a:ext cx="298800" cy="1198800"/>
             </a:xfrm>
-            <a:custGeom>
+            <a:prstGeom prst="roundRect">
               <a:avLst/>
-              <a:gdLst>
-                <a:gd name="connsiteX0" fmla="*/ 0 w 1893195"/>
-                <a:gd name="connsiteY0" fmla="*/ 1417202 h 1417202"/>
-                <a:gd name="connsiteX1" fmla="*/ 1223493 w 1893195"/>
-                <a:gd name="connsiteY1" fmla="*/ 526 h 1417202"/>
-                <a:gd name="connsiteX2" fmla="*/ 1893195 w 1893195"/>
-                <a:gd name="connsiteY2" fmla="*/ 1236898 h 1417202"/>
-                <a:gd name="connsiteX3" fmla="*/ 1893195 w 1893195"/>
-                <a:gd name="connsiteY3" fmla="*/ 1236898 h 1417202"/>
-              </a:gdLst>
-              <a:ahLst/>
-              <a:cxnLst>
-                <a:cxn ang="0">
-                  <a:pos x="connsiteX0" y="connsiteY0"/>
-                </a:cxn>
-                <a:cxn ang="0">
-                  <a:pos x="connsiteX1" y="connsiteY1"/>
-                </a:cxn>
-                <a:cxn ang="0">
-                  <a:pos x="connsiteX2" y="connsiteY2"/>
-                </a:cxn>
-                <a:cxn ang="0">
-                  <a:pos x="connsiteX3" y="connsiteY3"/>
-                </a:cxn>
-              </a:cxnLst>
-              <a:rect l="l" t="t" r="r" b="b"/>
-              <a:pathLst>
-                <a:path w="1893195" h="1417202">
-                  <a:moveTo>
-                    <a:pt x="0" y="1417202"/>
-                  </a:moveTo>
-                  <a:cubicBezTo>
-                    <a:pt x="453980" y="723889"/>
-                    <a:pt x="907961" y="30577"/>
-                    <a:pt x="1223493" y="526"/>
-                  </a:cubicBezTo>
-                  <a:cubicBezTo>
-                    <a:pt x="1539025" y="-29525"/>
-                    <a:pt x="1893195" y="1236898"/>
-                    <a:pt x="1893195" y="1236898"/>
-                  </a:cubicBezTo>
-                  <a:lnTo>
-                    <a:pt x="1893195" y="1236898"/>
-                  </a:lnTo>
-                </a:path>
-              </a:pathLst>
-            </a:custGeom>
-            <a:noFill/>
-            <a:ln>
-              <a:solidFill>
-                <a:schemeClr val="accent6"/>
-              </a:solidFill>
-            </a:ln>
+            </a:prstGeom>
+            <a:solidFill>
+              <a:schemeClr val="bg1">
+                <a:lumMod val="75000"/>
+                <a:alpha val="35000"/>
+              </a:schemeClr>
+            </a:solidFill>
+            <a:ln w="6350"/>
           </p:spPr>
           <p:style>
             <a:lnRef idx="2">
-              <a:schemeClr val="accent1">
+              <a:schemeClr val="dk1">
                 <a:shade val="15000"/>
               </a:schemeClr>
             </a:lnRef>
             <a:fillRef idx="1">
-              <a:schemeClr val="accent1"/>
+              <a:schemeClr val="dk1"/>
             </a:fillRef>
             <a:effectRef idx="0">
-              <a:schemeClr val="accent1"/>
+              <a:schemeClr val="dk1"/>
             </a:effectRef>
             <a:fontRef idx="minor">
               <a:schemeClr val="lt1"/>
@@ -5266,39 +5728,54 @@
         </p:sp>
         <p:sp>
           <p:nvSpPr>
-            <p:cNvPr id="55" name="TextBox 54">
+            <p:cNvPr id="58" name="Rounded Rectangle 57">
               <a:extLst>
                 <a:ext uri="{FF2B5EF4-FFF2-40B4-BE49-F238E27FC236}">
-                  <a16:creationId xmlns:a16="http://schemas.microsoft.com/office/drawing/2014/main" id="{A3F4E530-6C30-C513-91E7-F23E63070D1A}"/>
+                  <a16:creationId xmlns:a16="http://schemas.microsoft.com/office/drawing/2014/main" id="{8AC4D687-547D-5C1E-691B-511E15066CF0}"/>
                 </a:ext>
               </a:extLst>
             </p:cNvPr>
-            <p:cNvSpPr txBox="1"/>
+            <p:cNvSpPr/>
             <p:nvPr/>
           </p:nvSpPr>
           <p:spPr>
             <a:xfrm>
-              <a:off x="5263002" y="426181"/>
-              <a:ext cx="428322" cy="369332"/>
+              <a:off x="7786711" y="1087378"/>
+              <a:ext cx="298800" cy="1198577"/>
             </a:xfrm>
-            <a:prstGeom prst="rect">
+            <a:prstGeom prst="roundRect">
               <a:avLst/>
             </a:prstGeom>
-            <a:noFill/>
+            <a:solidFill>
+              <a:schemeClr val="bg1">
+                <a:lumMod val="75000"/>
+                <a:alpha val="35000"/>
+              </a:schemeClr>
+            </a:solidFill>
+            <a:ln w="6350"/>
           </p:spPr>
+          <p:style>
+            <a:lnRef idx="2">
+              <a:schemeClr val="dk1">
+                <a:shade val="15000"/>
+              </a:schemeClr>
+            </a:lnRef>
+            <a:fillRef idx="1">
+              <a:schemeClr val="dk1"/>
+            </a:fillRef>
+            <a:effectRef idx="0">
+              <a:schemeClr val="dk1"/>
+            </a:effectRef>
+            <a:fontRef idx="minor">
+              <a:schemeClr val="lt1"/>
+            </a:fontRef>
+          </p:style>
           <p:txBody>
-            <a:bodyPr wrap="none" rtlCol="0">
-              <a:spAutoFit/>
-            </a:bodyPr>
+            <a:bodyPr rtlCol="0" anchor="ctr"/>
             <a:lstStyle/>
             <a:p>
-              <a:r>
-                <a:rPr lang="en-AU" b="1" dirty="0">
-                  <a:latin typeface="Times New Roman" panose="02020603050405020304" pitchFamily="18" charset="0"/>
-                  <a:cs typeface="Times New Roman" panose="02020603050405020304" pitchFamily="18" charset="0"/>
-                </a:rPr>
-                <a:t>B)</a:t>
-              </a:r>
+              <a:pPr algn="ctr"/>
+              <a:endParaRPr lang="en-AU"/>
             </a:p>
           </p:txBody>
         </p:sp>
